--- a/Materi/Segmentasi.pptx
+++ b/Materi/Segmentasi.pptx
@@ -6820,7 +6820,6 @@
               <a:rPr lang="en-US" sz="2200" dirty="0"/>
               <a:t>. </a:t>
             </a:r>
-            <a:endParaRPr lang="en-US" sz="2200" dirty="0"/>
           </a:p>
         </p:txBody>
       </p:sp>
@@ -7716,6 +7715,37 @@
               <a:t>TERIMAH KASIH</a:t>
             </a:r>
             <a:endParaRPr lang="en-US" b="1" dirty="0"/>
+          </a:p>
+        </p:txBody>
+      </p:sp>
+      <p:sp>
+        <p:nvSpPr>
+          <p:cNvPr id="3" name="Rectangle 2"/>
+          <p:cNvSpPr/>
+          <p:nvPr/>
+        </p:nvSpPr>
+        <p:spPr>
+          <a:xfrm>
+            <a:off x="838200" y="5360147"/>
+            <a:ext cx="6096000" cy="646331"/>
+          </a:xfrm>
+          <a:prstGeom prst="rect">
+            <a:avLst/>
+          </a:prstGeom>
+        </p:spPr>
+        <p:txBody>
+          <a:bodyPr>
+            <a:spAutoFit/>
+          </a:bodyPr>
+          <a:lstStyle/>
+          <a:p>
+            <a:r>
+              <a:rPr lang="en-US" dirty="0">
+                <a:hlinkClick r:id="rId2"/>
+              </a:rPr>
+              <a:t>https://github.com/rizalarfani/Pengolahan-Citra-Digital-PCD-/blob/master/Latihan/Segmentasi%20Citra.ipynb</a:t>
+            </a:r>
+            <a:endParaRPr lang="en-US" dirty="0"/>
           </a:p>
         </p:txBody>
       </p:sp>
@@ -9235,15 +9265,6 @@
 </file>
 
 <file path=customXml/item2.xml><?xml version="1.0" encoding="utf-8"?>
-<?mso-contentType ?>
-<FormTemplates xmlns="http://schemas.microsoft.com/sharepoint/v3/contenttype/forms">
-  <Display>DocumentLibraryForm</Display>
-  <Edit>AssetEditForm</Edit>
-  <New>DocumentLibraryForm</New>
-</FormTemplates>
-</file>
-
-<file path=customXml/item3.xml><?xml version="1.0" encoding="utf-8"?>
 <p:properties xmlns:p="http://schemas.microsoft.com/office/2006/metadata/properties" xmlns:xsi="http://www.w3.org/2001/XMLSchema-instance" xmlns:pc="http://schemas.microsoft.com/office/infopath/2007/PartnerControls">
   <documentManagement>
     <DirectSourceMarket xmlns="4873beb7-5857-4685-be1f-d57550cc96cc" xsi:nil="true"/>
@@ -9369,6 +9390,15 @@
 </p:properties>
 </file>
 
+<file path=customXml/item3.xml><?xml version="1.0" encoding="utf-8"?>
+<?mso-contentType ?>
+<FormTemplates xmlns="http://schemas.microsoft.com/sharepoint/v3/contenttype/forms">
+  <Display>DocumentLibraryForm</Display>
+  <Edit>AssetEditForm</Edit>
+  <New>DocumentLibraryForm</New>
+</FormTemplates>
+</file>
+
 <file path=customXml/itemProps1.xml><?xml version="1.0" encoding="utf-8"?>
 <ds:datastoreItem xmlns:ds="http://schemas.openxmlformats.org/officeDocument/2006/customXml" ds:itemID="{63EE7759-C66F-4EA4-9863-7EBA32518D3D}">
   <ds:schemaRefs>
@@ -9388,14 +9418,6 @@
 </file>
 
 <file path=customXml/itemProps2.xml><?xml version="1.0" encoding="utf-8"?>
-<ds:datastoreItem xmlns:ds="http://schemas.openxmlformats.org/officeDocument/2006/customXml" ds:itemID="{C3DEC53A-9DF1-4780-BE92-17E971B7A9ED}">
-  <ds:schemaRefs>
-    <ds:schemaRef ds:uri="http://schemas.microsoft.com/sharepoint/v3/contenttype/forms"/>
-  </ds:schemaRefs>
-</ds:datastoreItem>
-</file>
-
-<file path=customXml/itemProps3.xml><?xml version="1.0" encoding="utf-8"?>
 <ds:datastoreItem xmlns:ds="http://schemas.openxmlformats.org/officeDocument/2006/customXml" ds:itemID="{B970C04F-E7AC-41AB-9C6D-1B1BB88BFF7F}">
   <ds:schemaRefs>
     <ds:schemaRef ds:uri="http://schemas.microsoft.com/office/infopath/2007/PartnerControls"/>
@@ -9409,4 +9431,12 @@
     <ds:schemaRef ds:uri="http://purl.org/dc/dcmitype/"/>
   </ds:schemaRefs>
 </ds:datastoreItem>
+</file>
+
+<file path=customXml/itemProps3.xml><?xml version="1.0" encoding="utf-8"?>
+<ds:datastoreItem xmlns:ds="http://schemas.openxmlformats.org/officeDocument/2006/customXml" ds:itemID="{C3DEC53A-9DF1-4780-BE92-17E971B7A9ED}">
+  <ds:schemaRefs>
+    <ds:schemaRef ds:uri="http://schemas.microsoft.com/sharepoint/v3/contenttype/forms"/>
+  </ds:schemaRefs>
+</ds:datastoreItem>
 </file>